--- a/posts/images/ai logos.pptx
+++ b/posts/images/ai logos.pptx
@@ -104,6 +104,11 @@
       </a:defRPr>
     </a:lvl9pPr>
   </p:defaultTextStyle>
+  <p:extLst>
+    <p:ext uri="{EFAFB233-063F-42B5-8137-9DF3F51BA10A}">
+      <p15:sldGuideLst xmlns:p15="http://schemas.microsoft.com/office/powerpoint/2012/main"/>
+    </p:ext>
+  </p:extLst>
 </p:presentation>
 </file>
 
@@ -254,7 +259,7 @@
           <a:p>
             <a:fld id="{A1D31445-E885-4083-801E-05839BD635EB}" type="datetimeFigureOut">
               <a:rPr lang="en-US" smtClean="0"/>
-              <a:t>01-Sep-25</a:t>
+              <a:t>04-Sep-25</a:t>
             </a:fld>
             <a:endParaRPr lang="en-US"/>
           </a:p>
@@ -452,7 +457,7 @@
           <a:p>
             <a:fld id="{A1D31445-E885-4083-801E-05839BD635EB}" type="datetimeFigureOut">
               <a:rPr lang="en-US" smtClean="0"/>
-              <a:t>01-Sep-25</a:t>
+              <a:t>04-Sep-25</a:t>
             </a:fld>
             <a:endParaRPr lang="en-US"/>
           </a:p>
@@ -660,7 +665,7 @@
           <a:p>
             <a:fld id="{A1D31445-E885-4083-801E-05839BD635EB}" type="datetimeFigureOut">
               <a:rPr lang="en-US" smtClean="0"/>
-              <a:t>01-Sep-25</a:t>
+              <a:t>04-Sep-25</a:t>
             </a:fld>
             <a:endParaRPr lang="en-US"/>
           </a:p>
@@ -858,7 +863,7 @@
           <a:p>
             <a:fld id="{A1D31445-E885-4083-801E-05839BD635EB}" type="datetimeFigureOut">
               <a:rPr lang="en-US" smtClean="0"/>
-              <a:t>01-Sep-25</a:t>
+              <a:t>04-Sep-25</a:t>
             </a:fld>
             <a:endParaRPr lang="en-US"/>
           </a:p>
@@ -1133,7 +1138,7 @@
           <a:p>
             <a:fld id="{A1D31445-E885-4083-801E-05839BD635EB}" type="datetimeFigureOut">
               <a:rPr lang="en-US" smtClean="0"/>
-              <a:t>01-Sep-25</a:t>
+              <a:t>04-Sep-25</a:t>
             </a:fld>
             <a:endParaRPr lang="en-US"/>
           </a:p>
@@ -1398,7 +1403,7 @@
           <a:p>
             <a:fld id="{A1D31445-E885-4083-801E-05839BD635EB}" type="datetimeFigureOut">
               <a:rPr lang="en-US" smtClean="0"/>
-              <a:t>01-Sep-25</a:t>
+              <a:t>04-Sep-25</a:t>
             </a:fld>
             <a:endParaRPr lang="en-US"/>
           </a:p>
@@ -1810,7 +1815,7 @@
           <a:p>
             <a:fld id="{A1D31445-E885-4083-801E-05839BD635EB}" type="datetimeFigureOut">
               <a:rPr lang="en-US" smtClean="0"/>
-              <a:t>01-Sep-25</a:t>
+              <a:t>04-Sep-25</a:t>
             </a:fld>
             <a:endParaRPr lang="en-US"/>
           </a:p>
@@ -1951,7 +1956,7 @@
           <a:p>
             <a:fld id="{A1D31445-E885-4083-801E-05839BD635EB}" type="datetimeFigureOut">
               <a:rPr lang="en-US" smtClean="0"/>
-              <a:t>01-Sep-25</a:t>
+              <a:t>04-Sep-25</a:t>
             </a:fld>
             <a:endParaRPr lang="en-US"/>
           </a:p>
@@ -2064,7 +2069,7 @@
           <a:p>
             <a:fld id="{A1D31445-E885-4083-801E-05839BD635EB}" type="datetimeFigureOut">
               <a:rPr lang="en-US" smtClean="0"/>
-              <a:t>01-Sep-25</a:t>
+              <a:t>04-Sep-25</a:t>
             </a:fld>
             <a:endParaRPr lang="en-US"/>
           </a:p>
@@ -2375,7 +2380,7 @@
           <a:p>
             <a:fld id="{A1D31445-E885-4083-801E-05839BD635EB}" type="datetimeFigureOut">
               <a:rPr lang="en-US" smtClean="0"/>
-              <a:t>01-Sep-25</a:t>
+              <a:t>04-Sep-25</a:t>
             </a:fld>
             <a:endParaRPr lang="en-US"/>
           </a:p>
@@ -2663,7 +2668,7 @@
           <a:p>
             <a:fld id="{A1D31445-E885-4083-801E-05839BD635EB}" type="datetimeFigureOut">
               <a:rPr lang="en-US" smtClean="0"/>
-              <a:t>01-Sep-25</a:t>
+              <a:t>04-Sep-25</a:t>
             </a:fld>
             <a:endParaRPr lang="en-US"/>
           </a:p>
@@ -2904,7 +2909,7 @@
           <a:p>
             <a:fld id="{A1D31445-E885-4083-801E-05839BD635EB}" type="datetimeFigureOut">
               <a:rPr lang="en-US" smtClean="0"/>
-              <a:t>01-Sep-25</a:t>
+              <a:t>04-Sep-25</a:t>
             </a:fld>
             <a:endParaRPr lang="en-US"/>
           </a:p>
@@ -3323,10 +3328,10 @@
       </p:grpSpPr>
       <p:pic>
         <p:nvPicPr>
-          <p:cNvPr id="4" name="Picture 3">
-            <a:extLst>
-              <a:ext uri="{FF2B5EF4-FFF2-40B4-BE49-F238E27FC236}">
-                <a16:creationId xmlns:a16="http://schemas.microsoft.com/office/drawing/2014/main" id="{526E6626-40B4-CCB9-8233-218E355E0F62}"/>
+          <p:cNvPr id="11" name="Picture 10">
+            <a:extLst>
+              <a:ext uri="{FF2B5EF4-FFF2-40B4-BE49-F238E27FC236}">
+                <a16:creationId xmlns:a16="http://schemas.microsoft.com/office/drawing/2014/main" id="{93292DA1-C53C-628B-330A-F1466C0FB7BD}"/>
               </a:ext>
             </a:extLst>
           </p:cNvPr>
@@ -3337,6 +3342,36 @@
         </p:nvPicPr>
         <p:blipFill>
           <a:blip r:embed="rId2"/>
+          <a:stretch>
+            <a:fillRect/>
+          </a:stretch>
+        </p:blipFill>
+        <p:spPr>
+          <a:xfrm>
+            <a:off x="8098030" y="3515302"/>
+            <a:ext cx="3045890" cy="3045890"/>
+          </a:xfrm>
+          <a:prstGeom prst="rect">
+            <a:avLst/>
+          </a:prstGeom>
+        </p:spPr>
+      </p:pic>
+      <p:pic>
+        <p:nvPicPr>
+          <p:cNvPr id="4" name="Picture 3">
+            <a:extLst>
+              <a:ext uri="{FF2B5EF4-FFF2-40B4-BE49-F238E27FC236}">
+                <a16:creationId xmlns:a16="http://schemas.microsoft.com/office/drawing/2014/main" id="{526E6626-40B4-CCB9-8233-218E355E0F62}"/>
+              </a:ext>
+            </a:extLst>
+          </p:cNvPr>
+          <p:cNvPicPr>
+            <a:picLocks noChangeAspect="1"/>
+          </p:cNvPicPr>
+          <p:nvPr/>
+        </p:nvPicPr>
+        <p:blipFill>
+          <a:blip r:embed="rId3"/>
           <a:stretch>
             <a:fillRect/>
           </a:stretch>
@@ -3366,7 +3401,7 @@
           <p:nvPr/>
         </p:nvPicPr>
         <p:blipFill>
-          <a:blip r:embed="rId3"/>
+          <a:blip r:embed="rId4"/>
           <a:stretch>
             <a:fillRect/>
           </a:stretch>
@@ -3396,7 +3431,7 @@
           <p:nvPr/>
         </p:nvPicPr>
         <p:blipFill>
-          <a:blip r:embed="rId4"/>
+          <a:blip r:embed="rId5"/>
           <a:stretch>
             <a:fillRect/>
           </a:stretch>
@@ -3426,7 +3461,7 @@
           <p:nvPr/>
         </p:nvPicPr>
         <p:blipFill>
-          <a:blip r:embed="rId5"/>
+          <a:blip r:embed="rId6"/>
           <a:stretch>
             <a:fillRect/>
           </a:stretch>
@@ -3456,7 +3491,7 @@
           <p:nvPr/>
         </p:nvPicPr>
         <p:blipFill>
-          <a:blip r:embed="rId6"/>
+          <a:blip r:embed="rId7"/>
           <a:stretch>
             <a:fillRect/>
           </a:stretch>
@@ -3486,7 +3521,7 @@
           <p:nvPr/>
         </p:nvPicPr>
         <p:blipFill>
-          <a:blip r:embed="rId7"/>
+          <a:blip r:embed="rId8"/>
           <a:stretch>
             <a:fillRect/>
           </a:stretch>
@@ -3516,7 +3551,7 @@
           <p:nvPr/>
         </p:nvPicPr>
         <p:blipFill>
-          <a:blip r:embed="rId8"/>
+          <a:blip r:embed="rId9"/>
           <a:stretch>
             <a:fillRect/>
           </a:stretch>
@@ -3524,36 +3559,6 @@
         <p:spPr>
           <a:xfrm>
             <a:off x="9811066" y="410053"/>
-            <a:ext cx="1371600" cy="1371600"/>
-          </a:xfrm>
-          <a:prstGeom prst="rect">
-            <a:avLst/>
-          </a:prstGeom>
-        </p:spPr>
-      </p:pic>
-      <p:pic>
-        <p:nvPicPr>
-          <p:cNvPr id="11" name="Picture 10">
-            <a:extLst>
-              <a:ext uri="{FF2B5EF4-FFF2-40B4-BE49-F238E27FC236}">
-                <a16:creationId xmlns:a16="http://schemas.microsoft.com/office/drawing/2014/main" id="{93292DA1-C53C-628B-330A-F1466C0FB7BD}"/>
-              </a:ext>
-            </a:extLst>
-          </p:cNvPr>
-          <p:cNvPicPr>
-            <a:picLocks noChangeAspect="1"/>
-          </p:cNvPicPr>
-          <p:nvPr/>
-        </p:nvPicPr>
-        <p:blipFill>
-          <a:blip r:embed="rId9"/>
-          <a:stretch>
-            <a:fillRect/>
-          </a:stretch>
-        </p:blipFill>
-        <p:spPr>
-          <a:xfrm>
-            <a:off x="10138077" y="2812178"/>
             <a:ext cx="1371600" cy="1371600"/>
           </a:xfrm>
           <a:prstGeom prst="rect">
@@ -3673,8 +3678,8 @@
         </p:blipFill>
         <p:spPr>
           <a:xfrm>
-            <a:off x="7958807" y="5544406"/>
-            <a:ext cx="3704518" cy="1042169"/>
+            <a:off x="7958807" y="5679627"/>
+            <a:ext cx="3223859" cy="906948"/>
           </a:xfrm>
           <a:prstGeom prst="rect">
             <a:avLst/>
@@ -3735,6 +3740,36 @@
           <a:xfrm>
             <a:off x="5538314" y="5089169"/>
             <a:ext cx="1544631" cy="1544631"/>
+          </a:xfrm>
+          <a:prstGeom prst="rect">
+            <a:avLst/>
+          </a:prstGeom>
+        </p:spPr>
+      </p:pic>
+      <p:pic>
+        <p:nvPicPr>
+          <p:cNvPr id="2" name="Picture 1">
+            <a:extLst>
+              <a:ext uri="{FF2B5EF4-FFF2-40B4-BE49-F238E27FC236}">
+                <a16:creationId xmlns:a16="http://schemas.microsoft.com/office/drawing/2014/main" id="{0C60DBB9-1C54-630F-42DA-06C2550CAFA0}"/>
+              </a:ext>
+            </a:extLst>
+          </p:cNvPr>
+          <p:cNvPicPr>
+            <a:picLocks noChangeAspect="1"/>
+          </p:cNvPicPr>
+          <p:nvPr/>
+        </p:nvPicPr>
+        <p:blipFill>
+          <a:blip r:embed="rId16"/>
+          <a:stretch>
+            <a:fillRect/>
+          </a:stretch>
+        </p:blipFill>
+        <p:spPr>
+          <a:xfrm>
+            <a:off x="9811066" y="2705100"/>
+            <a:ext cx="1409700" cy="1409700"/>
           </a:xfrm>
           <a:prstGeom prst="rect">
             <a:avLst/>
